--- a/[LidanAn]PSW - Guided Capstone.pptx
+++ b/[LidanAn]PSW - Guided Capstone.pptx
@@ -257,7 +257,7 @@
       </p15:sldGuideLst>
     </p:ext>
     <p:ext uri="http://customooxmlschemas.google.com/">
-      <go:slidesCustomData xmlns:go="http://customooxmlschemas.google.com/" xmlns:p15="http://schemas.microsoft.com/office/powerpoint/2012/main" xmlns:p14="http://schemas.microsoft.com/office/powerpoint/2010/main" xmlns:com="http://schemas.openxmlformats.org/drawingml/2006/compatibility" xmlns:pvml="urn:schemas-microsoft-com:office:powerpoint" xmlns:v="urn:schemas-microsoft-com:vml" xmlns:o="urn:schemas-microsoft-com:office:office" xmlns:dgm="http://schemas.openxmlformats.org/drawingml/2006/diagram" xmlns:c="http://schemas.openxmlformats.org/drawingml/2006/chart" xmlns:mv="urn:schemas-microsoft-com:mac:vml" xmlns:mc="http://schemas.openxmlformats.org/markup-compatibility/2006" xmlns="" r:id="rId7" roundtripDataSignature="AMtx7mjdo7FECp685JsX7/4pIVeoAktjNA=="/>
+      <go:slidesCustomData xmlns="" xmlns:mc="http://schemas.openxmlformats.org/markup-compatibility/2006" xmlns:mv="urn:schemas-microsoft-com:mac:vml" xmlns:c="http://schemas.openxmlformats.org/drawingml/2006/chart" xmlns:dgm="http://schemas.openxmlformats.org/drawingml/2006/diagram" xmlns:o="urn:schemas-microsoft-com:office:office" xmlns:v="urn:schemas-microsoft-com:vml" xmlns:pvml="urn:schemas-microsoft-com:office:powerpoint" xmlns:com="http://schemas.openxmlformats.org/drawingml/2006/compatibility" xmlns:p14="http://schemas.microsoft.com/office/powerpoint/2010/main" xmlns:p15="http://schemas.microsoft.com/office/powerpoint/2012/main" xmlns:go="http://customooxmlschemas.google.com/" r:id="rId7" roundtripDataSignature="AMtx7mjdo7FECp685JsX7/4pIVeoAktjNA=="/>
     </p:ext>
   </p:extLst>
 </p:presentation>
@@ -4823,18 +4823,7 @@
           </a:bodyPr>
           <a:lstStyle/>
           <a:p>
-            <a:pPr marL="0" marR="0" lvl="0" indent="0" algn="l" rtl="0">
-              <a:lnSpc>
-                <a:spcPct val="100000"/>
-              </a:lnSpc>
-              <a:spcBef>
-                <a:spcPts val="0"/>
-              </a:spcBef>
-              <a:spcAft>
-                <a:spcPts val="0"/>
-              </a:spcAft>
-              <a:buNone/>
-            </a:pPr>
+            <a:pPr lvl="0"/>
             <a:r>
               <a:rPr lang="en-US" sz="1400" b="0" i="0" u="none" strike="noStrike" cap="none" dirty="0">
                 <a:solidFill>
@@ -4845,11 +4834,11 @@
                 <a:cs typeface="Arial"/>
                 <a:sym typeface="Arial"/>
               </a:rPr>
-              <a:t>There are limitations to raise the tickets price. T</a:t>
+              <a:t>There are limitations to raise the tickets price. </a:t>
             </a:r>
             <a:r>
               <a:rPr lang="en-US" dirty="0"/>
-              <a:t>he better change is to cut the costs.</a:t>
+              <a:t>There's a suspicion that Big Mountain is not capitalizing on its facilities as much as it could, so the better change is to cut the costs.</a:t>
             </a:r>
             <a:endParaRPr sz="1400" b="0" i="0" u="none" strike="noStrike" cap="none" dirty="0">
               <a:solidFill>
@@ -4890,8 +4879,12 @@
           <a:p>
             <a:pPr lvl="0"/>
             <a:r>
-              <a:rPr lang="en-US" sz="1100" dirty="0"/>
-              <a:t>There's a suspicion that Big Mountain is not capitalizing on its facilities as much as it could. Basing their pricing on just the market average does not provide the business with a good sense of how important some facilities are compared to others. This hampers investment strategy.</a:t>
+              <a:rPr lang="en-US" sz="1070" b="1" dirty="0"/>
+              <a:t>There were not data sources about  how Big Mountain Resort capitalizing on its facilities that we can use to analyzing.  </a:t>
+            </a:r>
+            <a:r>
+              <a:rPr lang="en-US" sz="1100" b="1" dirty="0"/>
+              <a:t>It is just a suspicion.</a:t>
             </a:r>
             <a:endParaRPr sz="1070" b="1" i="0" u="none" strike="noStrike" cap="none" dirty="0">
               <a:solidFill>
